--- a/Presentation/AustralianEconomyAnalysis_MQ_SB_JN_TT.pptx
+++ b/Presentation/AustralianEconomyAnalysis_MQ_SB_JN_TT.pptx
@@ -10,7 +10,7 @@
     <p:sldId id="284" r:id="rId4"/>
     <p:sldId id="261" r:id="rId5"/>
     <p:sldId id="287" r:id="rId6"/>
-    <p:sldId id="288" r:id="rId7"/>
+    <p:sldId id="292" r:id="rId7"/>
     <p:sldId id="289" r:id="rId8"/>
     <p:sldId id="291" r:id="rId9"/>
     <p:sldId id="275" r:id="rId10"/>
@@ -21,7 +21,7 @@
     <p:sldId id="278" r:id="rId15"/>
     <p:sldId id="274" r:id="rId16"/>
     <p:sldId id="283" r:id="rId17"/>
-    <p:sldId id="263" r:id="rId18"/>
+    <p:sldId id="288" r:id="rId18"/>
     <p:sldId id="286" r:id="rId19"/>
     <p:sldId id="264" r:id="rId20"/>
     <p:sldId id="282" r:id="rId21"/>
@@ -5117,98 +5117,6 @@
           </a:prstGeom>
         </p:spPr>
       </p:pic>
-      <p:sp>
-        <p:nvSpPr>
-          <p:cNvPr id="3" name="Oval 2"/>
-          <p:cNvSpPr/>
-          <p:nvPr/>
-        </p:nvSpPr>
-        <p:spPr>
-          <a:xfrm>
-            <a:off x="5619404" y="2876204"/>
-            <a:ext cx="914400" cy="2269374"/>
-          </a:xfrm>
-          <a:prstGeom prst="ellipse">
-            <a:avLst/>
-          </a:prstGeom>
-          <a:noFill/>
-          <a:ln w="28575">
-            <a:solidFill>
-              <a:srgbClr val="FFFF00"/>
-            </a:solidFill>
-          </a:ln>
-        </p:spPr>
-        <p:style>
-          <a:lnRef idx="2">
-            <a:schemeClr val="accent1">
-              <a:shade val="50000"/>
-            </a:schemeClr>
-          </a:lnRef>
-          <a:fillRef idx="1">
-            <a:schemeClr val="accent1"/>
-          </a:fillRef>
-          <a:effectRef idx="0">
-            <a:schemeClr val="accent1"/>
-          </a:effectRef>
-          <a:fontRef idx="minor">
-            <a:schemeClr val="lt1"/>
-          </a:fontRef>
-        </p:style>
-        <p:txBody>
-          <a:bodyPr rtlCol="0" anchor="ctr"/>
-          <a:lstStyle/>
-          <a:p>
-            <a:pPr algn="ctr"/>
-            <a:endParaRPr lang="en-AU"/>
-          </a:p>
-        </p:txBody>
-      </p:sp>
-      <p:sp>
-        <p:nvSpPr>
-          <p:cNvPr id="4" name="Right Arrow 3"/>
-          <p:cNvSpPr/>
-          <p:nvPr/>
-        </p:nvSpPr>
-        <p:spPr>
-          <a:xfrm rot="19550360">
-            <a:off x="5180726" y="4368132"/>
-            <a:ext cx="307504" cy="216131"/>
-          </a:xfrm>
-          <a:prstGeom prst="rightArrow">
-            <a:avLst/>
-          </a:prstGeom>
-          <a:noFill/>
-          <a:ln>
-            <a:solidFill>
-              <a:srgbClr val="FFFF00"/>
-            </a:solidFill>
-          </a:ln>
-        </p:spPr>
-        <p:style>
-          <a:lnRef idx="2">
-            <a:schemeClr val="accent1">
-              <a:shade val="50000"/>
-            </a:schemeClr>
-          </a:lnRef>
-          <a:fillRef idx="1">
-            <a:schemeClr val="accent1"/>
-          </a:fillRef>
-          <a:effectRef idx="0">
-            <a:schemeClr val="accent1"/>
-          </a:effectRef>
-          <a:fontRef idx="minor">
-            <a:schemeClr val="lt1"/>
-          </a:fontRef>
-        </p:style>
-        <p:txBody>
-          <a:bodyPr rtlCol="0" anchor="ctr"/>
-          <a:lstStyle/>
-          <a:p>
-            <a:pPr algn="ctr"/>
-            <a:endParaRPr lang="en-AU"/>
-          </a:p>
-        </p:txBody>
-      </p:sp>
       <p:pic>
         <p:nvPicPr>
           <p:cNvPr id="8" name="Picture 7">
@@ -5571,7 +5479,7 @@
           <p:cNvPr id="2" name="Title 1">
             <a:extLst>
               <a:ext uri="{FF2B5EF4-FFF2-40B4-BE49-F238E27FC236}">
-                <a16:creationId xmlns:a16="http://schemas.microsoft.com/office/drawing/2014/main" id="{78E58948-D18F-4BCB-A893-D70FDEF7603A}"/>
+                <a16:creationId xmlns:a16="http://schemas.microsoft.com/office/drawing/2014/main" id="{2A3E1F22-C695-47B4-9DCA-8DCDE4054011}"/>
               </a:ext>
             </a:extLst>
           </p:cNvPr>
@@ -5584,9 +5492,7 @@
         </p:nvSpPr>
         <p:spPr/>
         <p:txBody>
-          <a:bodyPr>
-            <a:normAutofit/>
-          </a:bodyPr>
+          <a:bodyPr/>
           <a:lstStyle/>
           <a:p>
             <a:r>
@@ -5598,51 +5504,83 @@
                   </a:schemeClr>
                 </a:solidFill>
               </a:rPr>
-              <a:t>Difficulties arose…</a:t>
-            </a:r>
-          </a:p>
-        </p:txBody>
-      </p:sp>
-      <p:sp>
-        <p:nvSpPr>
-          <p:cNvPr id="3" name="Content Placeholder 2">
+              <a:t>Difficulties</a:t>
+            </a:r>
+            <a:endParaRPr lang="en-US" dirty="0"/>
+          </a:p>
+        </p:txBody>
+      </p:sp>
+      <p:pic>
+        <p:nvPicPr>
+          <p:cNvPr id="4" name="Content Placeholder 4">
             <a:extLst>
               <a:ext uri="{FF2B5EF4-FFF2-40B4-BE49-F238E27FC236}">
-                <a16:creationId xmlns:a16="http://schemas.microsoft.com/office/drawing/2014/main" id="{3DB59E47-EE93-4275-A48F-E2A324D69E94}"/>
+                <a16:creationId xmlns:a16="http://schemas.microsoft.com/office/drawing/2014/main" id="{21D6931B-FCA5-46A6-BAE3-C020B3B6F124}"/>
               </a:ext>
             </a:extLst>
           </p:cNvPr>
-          <p:cNvSpPr>
-            <a:spLocks noGrp="1"/>
-          </p:cNvSpPr>
+          <p:cNvPicPr>
+            <a:picLocks noGrp="1" noChangeAspect="1"/>
+          </p:cNvPicPr>
           <p:nvPr>
             <p:ph idx="1"/>
           </p:nvPr>
-        </p:nvSpPr>
-        <p:spPr/>
-        <p:txBody>
-          <a:bodyPr>
-            <a:normAutofit/>
+        </p:nvPicPr>
+        <p:blipFill>
+          <a:blip r:embed="rId2"/>
+          <a:stretch>
+            <a:fillRect/>
+          </a:stretch>
+        </p:blipFill>
+        <p:spPr>
+          <a:xfrm>
+            <a:off x="7968343" y="1854477"/>
+            <a:ext cx="3385457" cy="2003342"/>
+          </a:xfrm>
+          <a:prstGeom prst="rect">
+            <a:avLst/>
+          </a:prstGeom>
+        </p:spPr>
+      </p:pic>
+      <p:sp>
+        <p:nvSpPr>
+          <p:cNvPr id="6" name="TextBox 5">
+            <a:extLst>
+              <a:ext uri="{FF2B5EF4-FFF2-40B4-BE49-F238E27FC236}">
+                <a16:creationId xmlns:a16="http://schemas.microsoft.com/office/drawing/2014/main" id="{65A32FCA-6CD9-4A9F-8C72-053DC653EC25}"/>
+              </a:ext>
+            </a:extLst>
+          </p:cNvPr>
+          <p:cNvSpPr txBox="1"/>
+          <p:nvPr/>
+        </p:nvSpPr>
+        <p:spPr>
+          <a:xfrm>
+            <a:off x="254818" y="1563487"/>
+            <a:ext cx="6359611" cy="2585323"/>
+          </a:xfrm>
+          <a:prstGeom prst="rect">
+            <a:avLst/>
+          </a:prstGeom>
+          <a:noFill/>
+        </p:spPr>
+        <p:txBody>
+          <a:bodyPr wrap="square">
+            <a:spAutoFit/>
           </a:bodyPr>
           <a:lstStyle/>
           <a:p>
-            <a:pPr eaLnBrk="0" fontAlgn="base" hangingPunct="0">
-              <a:lnSpc>
-                <a:spcPct val="100000"/>
-              </a:lnSpc>
+            <a:pPr marL="0" lvl="0" indent="0" algn="ctr" eaLnBrk="0" fontAlgn="base" hangingPunct="0">
               <a:spcBef>
                 <a:spcPct val="0"/>
               </a:spcBef>
               <a:spcAft>
                 <a:spcPct val="0"/>
               </a:spcAft>
-              <a:buClrTx/>
-              <a:buSzTx/>
-              <a:buFontTx/>
-              <a:buChar char="-"/>
-            </a:pPr>
-            <a:r>
-              <a:rPr lang="en-US" altLang="en-US" sz="2800" i="1" dirty="0">
+              <a:buNone/>
+            </a:pPr>
+            <a:r>
+              <a:rPr lang="en-US" altLang="en-US" sz="1800" dirty="0">
                 <a:solidFill>
                   <a:schemeClr val="accent2">
                     <a:lumMod val="40000"/>
@@ -5651,26 +5589,20 @@
                 </a:solidFill>
                 <a:latin typeface="Arial" panose="020B0604020202020204" pitchFamily="34" charset="0"/>
               </a:rPr>
-              <a:t>GitHub collaboration</a:t>
-            </a:r>
-          </a:p>
-          <a:p>
-            <a:pPr eaLnBrk="0" fontAlgn="base" hangingPunct="0">
-              <a:lnSpc>
-                <a:spcPct val="100000"/>
-              </a:lnSpc>
+              <a:t>GitHub-Merge</a:t>
+            </a:r>
+          </a:p>
+          <a:p>
+            <a:pPr marL="0" lvl="0" indent="0" algn="ctr" eaLnBrk="0" fontAlgn="base" hangingPunct="0">
               <a:spcBef>
                 <a:spcPct val="0"/>
               </a:spcBef>
               <a:spcAft>
                 <a:spcPct val="0"/>
               </a:spcAft>
-              <a:buClrTx/>
-              <a:buSzTx/>
-              <a:buFontTx/>
-              <a:buChar char="-"/>
-            </a:pPr>
-            <a:endParaRPr lang="en-US" altLang="en-US" i="1" dirty="0">
+              <a:buNone/>
+            </a:pPr>
+            <a:endParaRPr lang="en-US" altLang="en-US" sz="1800" dirty="0">
               <a:solidFill>
                 <a:schemeClr val="accent2">
                   <a:lumMod val="40000"/>
@@ -5681,23 +5613,17 @@
             </a:endParaRPr>
           </a:p>
           <a:p>
-            <a:pPr eaLnBrk="0" fontAlgn="base" hangingPunct="0">
-              <a:lnSpc>
-                <a:spcPct val="100000"/>
-              </a:lnSpc>
+            <a:pPr marL="0" lvl="0" indent="0" algn="ctr" eaLnBrk="0" fontAlgn="base" hangingPunct="0">
               <a:spcBef>
                 <a:spcPct val="0"/>
               </a:spcBef>
               <a:spcAft>
                 <a:spcPct val="0"/>
               </a:spcAft>
-              <a:buClrTx/>
-              <a:buSzTx/>
-              <a:buFontTx/>
-              <a:buChar char="-"/>
-            </a:pPr>
-            <a:r>
-              <a:rPr lang="en-US" altLang="en-US" i="1" dirty="0">
+              <a:buNone/>
+            </a:pPr>
+            <a:r>
+              <a:rPr lang="en-US" altLang="en-US" dirty="0">
                 <a:solidFill>
                   <a:schemeClr val="accent2">
                     <a:lumMod val="40000"/>
@@ -5706,21 +5632,20 @@
                 </a:solidFill>
                 <a:latin typeface="Arial" panose="020B0604020202020204" pitchFamily="34" charset="0"/>
               </a:rPr>
-              <a:t>Conflicting issues</a:t>
-            </a:r>
-            <a:r>
-              <a:rPr lang="en-US" altLang="en-US" sz="2800" i="1" dirty="0">
-                <a:solidFill>
-                  <a:schemeClr val="accent2">
-                    <a:lumMod val="40000"/>
-                    <a:lumOff val="60000"/>
-                  </a:schemeClr>
-                </a:solidFill>
-                <a:latin typeface="Arial" panose="020B0604020202020204" pitchFamily="34" charset="0"/>
-              </a:rPr>
-              <a:t> </a:t>
-            </a:r>
-            <a:endParaRPr lang="en-US" altLang="en-US" sz="2800" dirty="0">
+              <a:t>Working out of branches</a:t>
+            </a:r>
+          </a:p>
+          <a:p>
+            <a:pPr marL="0" lvl="0" indent="0" algn="ctr" eaLnBrk="0" fontAlgn="base" hangingPunct="0">
+              <a:spcBef>
+                <a:spcPct val="0"/>
+              </a:spcBef>
+              <a:spcAft>
+                <a:spcPct val="0"/>
+              </a:spcAft>
+              <a:buNone/>
+            </a:pPr>
+            <a:endParaRPr lang="en-US" altLang="en-US" dirty="0">
               <a:solidFill>
                 <a:schemeClr val="accent2">
                   <a:lumMod val="40000"/>
@@ -5731,14 +5656,129 @@
             </a:endParaRPr>
           </a:p>
           <a:p>
-            <a:endParaRPr lang="en-US" dirty="0"/>
+            <a:pPr marL="0" lvl="0" indent="0" algn="ctr" eaLnBrk="0" fontAlgn="base" hangingPunct="0">
+              <a:spcBef>
+                <a:spcPct val="0"/>
+              </a:spcBef>
+              <a:spcAft>
+                <a:spcPct val="0"/>
+              </a:spcAft>
+              <a:buNone/>
+            </a:pPr>
+            <a:r>
+              <a:rPr lang="en-US" altLang="en-US" sz="1800" dirty="0">
+                <a:solidFill>
+                  <a:schemeClr val="accent2">
+                    <a:lumMod val="40000"/>
+                    <a:lumOff val="60000"/>
+                  </a:schemeClr>
+                </a:solidFill>
+                <a:latin typeface="Arial" panose="020B0604020202020204" pitchFamily="34" charset="0"/>
+              </a:rPr>
+              <a:t>Communication</a:t>
+            </a:r>
+          </a:p>
+          <a:p>
+            <a:pPr marL="0" lvl="0" indent="0" algn="ctr" eaLnBrk="0" fontAlgn="base" hangingPunct="0">
+              <a:spcBef>
+                <a:spcPct val="0"/>
+              </a:spcBef>
+              <a:spcAft>
+                <a:spcPct val="0"/>
+              </a:spcAft>
+              <a:buNone/>
+            </a:pPr>
+            <a:endParaRPr lang="en-US" altLang="en-US" sz="1800" dirty="0">
+              <a:solidFill>
+                <a:schemeClr val="accent2">
+                  <a:lumMod val="40000"/>
+                  <a:lumOff val="60000"/>
+                </a:schemeClr>
+              </a:solidFill>
+              <a:latin typeface="Arial" panose="020B0604020202020204" pitchFamily="34" charset="0"/>
+            </a:endParaRPr>
+          </a:p>
+          <a:p>
+            <a:pPr marL="0" lvl="0" indent="0" algn="ctr" eaLnBrk="0" fontAlgn="base" hangingPunct="0">
+              <a:spcBef>
+                <a:spcPct val="0"/>
+              </a:spcBef>
+              <a:spcAft>
+                <a:spcPct val="0"/>
+              </a:spcAft>
+              <a:buNone/>
+            </a:pPr>
+            <a:r>
+              <a:rPr lang="en-US" altLang="en-US" dirty="0">
+                <a:solidFill>
+                  <a:schemeClr val="accent2">
+                    <a:lumMod val="40000"/>
+                    <a:lumOff val="60000"/>
+                  </a:schemeClr>
+                </a:solidFill>
+                <a:latin typeface="Arial" panose="020B0604020202020204" pitchFamily="34" charset="0"/>
+              </a:rPr>
+              <a:t>Build master</a:t>
+            </a:r>
+          </a:p>
+          <a:p>
+            <a:pPr marL="0" lvl="0" indent="0" algn="ctr" eaLnBrk="0" fontAlgn="base" hangingPunct="0">
+              <a:spcBef>
+                <a:spcPct val="0"/>
+              </a:spcBef>
+              <a:spcAft>
+                <a:spcPct val="0"/>
+              </a:spcAft>
+              <a:buNone/>
+            </a:pPr>
+            <a:endParaRPr lang="en-US" altLang="en-US" sz="1800" dirty="0">
+              <a:solidFill>
+                <a:schemeClr val="accent2">
+                  <a:lumMod val="40000"/>
+                  <a:lumOff val="60000"/>
+                </a:schemeClr>
+              </a:solidFill>
+              <a:latin typeface="Arial" panose="020B0604020202020204" pitchFamily="34" charset="0"/>
+            </a:endParaRPr>
+          </a:p>
+          <a:p>
+            <a:pPr marL="0" lvl="0" indent="0" algn="ctr" eaLnBrk="0" fontAlgn="base" hangingPunct="0">
+              <a:spcBef>
+                <a:spcPct val="0"/>
+              </a:spcBef>
+              <a:spcAft>
+                <a:spcPct val="0"/>
+              </a:spcAft>
+              <a:buNone/>
+            </a:pPr>
+            <a:r>
+              <a:rPr lang="en-US" altLang="en-US" dirty="0">
+                <a:solidFill>
+                  <a:schemeClr val="accent2">
+                    <a:lumMod val="40000"/>
+                    <a:lumOff val="60000"/>
+                  </a:schemeClr>
+                </a:solidFill>
+                <a:latin typeface="Arial" panose="020B0604020202020204" pitchFamily="34" charset="0"/>
+              </a:rPr>
+              <a:t>Conflicting issues</a:t>
+            </a:r>
+            <a:endParaRPr lang="en-US" altLang="en-US" sz="1800" dirty="0">
+              <a:solidFill>
+                <a:schemeClr val="accent2">
+                  <a:lumMod val="40000"/>
+                  <a:lumOff val="60000"/>
+                </a:schemeClr>
+              </a:solidFill>
+              <a:latin typeface="Arial" panose="020B0604020202020204" pitchFamily="34" charset="0"/>
+            </a:endParaRPr>
           </a:p>
         </p:txBody>
       </p:sp>
     </p:spTree>
     <p:extLst>
       <p:ext uri="{BB962C8B-B14F-4D97-AF65-F5344CB8AC3E}">
-        <p14:creationId xmlns:p14="http://schemas.microsoft.com/office/powerpoint/2010/main" val="3087998269"/>
+        <p14:creationId xmlns:p14="http://schemas.microsoft.com/office/powerpoint/2010/main" val="478282532"/>
       </p:ext>
     </p:extLst>
   </p:cSld>
@@ -8381,44 +8421,12 @@
                   </a:schemeClr>
                 </a:solidFill>
               </a:rPr>
-              <a:t>Data Cleanup &amp; Exploration</a:t>
+              <a:t>Difficulties</a:t>
             </a:r>
             <a:endParaRPr lang="en-US" dirty="0"/>
           </a:p>
         </p:txBody>
       </p:sp>
-      <p:pic>
-        <p:nvPicPr>
-          <p:cNvPr id="4" name="Content Placeholder 4">
-            <a:extLst>
-              <a:ext uri="{FF2B5EF4-FFF2-40B4-BE49-F238E27FC236}">
-                <a16:creationId xmlns:a16="http://schemas.microsoft.com/office/drawing/2014/main" id="{21D6931B-FCA5-46A6-BAE3-C020B3B6F124}"/>
-              </a:ext>
-            </a:extLst>
-          </p:cNvPr>
-          <p:cNvPicPr>
-            <a:picLocks noGrp="1" noChangeAspect="1"/>
-          </p:cNvPicPr>
-          <p:nvPr>
-            <p:ph idx="1"/>
-          </p:nvPr>
-        </p:nvPicPr>
-        <p:blipFill>
-          <a:blip r:embed="rId2"/>
-          <a:stretch>
-            <a:fillRect/>
-          </a:stretch>
-        </p:blipFill>
-        <p:spPr>
-          <a:xfrm>
-            <a:off x="7968343" y="3634931"/>
-            <a:ext cx="3385457" cy="2003342"/>
-          </a:xfrm>
-          <a:prstGeom prst="rect">
-            <a:avLst/>
-          </a:prstGeom>
-        </p:spPr>
-      </p:pic>
       <p:sp>
         <p:nvSpPr>
           <p:cNvPr id="6" name="TextBox 5">
@@ -8434,7 +8442,7 @@
         <p:spPr>
           <a:xfrm>
             <a:off x="254818" y="1563487"/>
-            <a:ext cx="6359611" cy="5139869"/>
+            <a:ext cx="6359611" cy="2862322"/>
           </a:xfrm>
           <a:prstGeom prst="rect">
             <a:avLst/>
@@ -8447,65 +8455,31 @@
           </a:bodyPr>
           <a:lstStyle/>
           <a:p>
-            <a:pPr marL="0" lvl="0" indent="0" algn="ctr" eaLnBrk="0" fontAlgn="base" hangingPunct="0">
+            <a:pPr algn="ctr" eaLnBrk="0" fontAlgn="base" hangingPunct="0">
               <a:spcBef>
                 <a:spcPct val="0"/>
               </a:spcBef>
               <a:spcAft>
                 <a:spcPct val="0"/>
               </a:spcAft>
-              <a:buFont typeface="Arial" panose="020B0604020202020204" pitchFamily="34" charset="0"/>
-              <a:buNone/>
-            </a:pPr>
-            <a:r>
-              <a:rPr lang="en-US" altLang="en-US" sz="2000" b="1" dirty="0">
+            </a:pPr>
+            <a:r>
+              <a:rPr lang="en-US" altLang="en-US" sz="1600" b="1" dirty="0">
                 <a:solidFill>
                   <a:schemeClr val="accent6"/>
                 </a:solidFill>
                 <a:latin typeface="Arial" panose="020B0604020202020204" pitchFamily="34" charset="0"/>
               </a:rPr>
-              <a:t>5. Data Management</a:t>
-            </a:r>
-          </a:p>
-          <a:p>
-            <a:pPr marL="0" lvl="0" indent="0" algn="ctr" eaLnBrk="0" fontAlgn="base" hangingPunct="0">
-              <a:spcBef>
-                <a:spcPct val="0"/>
-              </a:spcBef>
-              <a:spcAft>
-                <a:spcPct val="0"/>
-              </a:spcAft>
-              <a:buFont typeface="Arial" panose="020B0604020202020204" pitchFamily="34" charset="0"/>
-              <a:buNone/>
-            </a:pPr>
-            <a:endParaRPr lang="en-US" altLang="en-US" sz="2000" b="1" dirty="0">
-              <a:solidFill>
-                <a:schemeClr val="accent6"/>
-              </a:solidFill>
-              <a:latin typeface="Arial" panose="020B0604020202020204" pitchFamily="34" charset="0"/>
-            </a:endParaRPr>
-          </a:p>
-          <a:p>
-            <a:pPr marL="0" lvl="0" indent="0" algn="ctr" eaLnBrk="0" fontAlgn="base" hangingPunct="0">
-              <a:spcBef>
-                <a:spcPct val="0"/>
-              </a:spcBef>
-              <a:spcAft>
-                <a:spcPct val="0"/>
-              </a:spcAft>
-              <a:buNone/>
-            </a:pPr>
-            <a:r>
-              <a:rPr lang="en-US" altLang="en-US" sz="1800" dirty="0">
-                <a:solidFill>
-                  <a:schemeClr val="accent2">
-                    <a:lumMod val="40000"/>
-                    <a:lumOff val="60000"/>
-                  </a:schemeClr>
+              <a:t>5. </a:t>
+            </a:r>
+            <a:r>
+              <a:rPr lang="en-US" altLang="en-US" sz="1800" b="1" dirty="0">
+                <a:solidFill>
+                  <a:schemeClr val="accent6"/>
                 </a:solidFill>
                 <a:latin typeface="Arial" panose="020B0604020202020204" pitchFamily="34" charset="0"/>
               </a:rPr>
-              <a:t>Naming System (Original-Raw-Processed)</a:t>
+              <a:t>Data Management</a:t>
             </a:r>
           </a:p>
           <a:p>
@@ -8548,7 +8522,7 @@
                 </a:solidFill>
                 <a:latin typeface="Arial" panose="020B0604020202020204" pitchFamily="34" charset="0"/>
               </a:rPr>
-              <a:t>Backup Data - back up every process</a:t>
+              <a:t>Naming System (Original-Raw-Processed)</a:t>
             </a:r>
           </a:p>
           <a:p>
@@ -8582,6 +8556,49 @@
               <a:buNone/>
             </a:pPr>
             <a:r>
+              <a:rPr lang="en-US" altLang="en-US" sz="1800" dirty="0">
+                <a:solidFill>
+                  <a:schemeClr val="accent2">
+                    <a:lumMod val="40000"/>
+                    <a:lumOff val="60000"/>
+                  </a:schemeClr>
+                </a:solidFill>
+                <a:latin typeface="Arial" panose="020B0604020202020204" pitchFamily="34" charset="0"/>
+              </a:rPr>
+              <a:t>Backup Data - back up every process</a:t>
+            </a:r>
+          </a:p>
+          <a:p>
+            <a:pPr marL="0" lvl="0" indent="0" algn="ctr" eaLnBrk="0" fontAlgn="base" hangingPunct="0">
+              <a:spcBef>
+                <a:spcPct val="0"/>
+              </a:spcBef>
+              <a:spcAft>
+                <a:spcPct val="0"/>
+              </a:spcAft>
+              <a:buNone/>
+            </a:pPr>
+            <a:endParaRPr lang="en-US" altLang="en-US" sz="1800" dirty="0">
+              <a:solidFill>
+                <a:schemeClr val="accent2">
+                  <a:lumMod val="40000"/>
+                  <a:lumOff val="60000"/>
+                </a:schemeClr>
+              </a:solidFill>
+              <a:latin typeface="Arial" panose="020B0604020202020204" pitchFamily="34" charset="0"/>
+            </a:endParaRPr>
+          </a:p>
+          <a:p>
+            <a:pPr marL="0" lvl="0" indent="0" algn="ctr" eaLnBrk="0" fontAlgn="base" hangingPunct="0">
+              <a:spcBef>
+                <a:spcPct val="0"/>
+              </a:spcBef>
+              <a:spcAft>
+                <a:spcPct val="0"/>
+              </a:spcAft>
+              <a:buNone/>
+            </a:pPr>
+            <a:r>
               <a:rPr lang="en-US" altLang="en-US" dirty="0">
                 <a:solidFill>
                   <a:schemeClr val="accent2">
@@ -8678,187 +8695,6 @@
               <a:latin typeface="Arial" panose="020B0604020202020204" pitchFamily="34" charset="0"/>
             </a:endParaRPr>
           </a:p>
-          <a:p>
-            <a:pPr marL="0" lvl="0" indent="0" algn="ctr" eaLnBrk="0" fontAlgn="base" hangingPunct="0">
-              <a:spcBef>
-                <a:spcPct val="0"/>
-              </a:spcBef>
-              <a:spcAft>
-                <a:spcPct val="0"/>
-              </a:spcAft>
-              <a:buNone/>
-            </a:pPr>
-            <a:r>
-              <a:rPr lang="en-US" altLang="en-US" sz="1800" dirty="0">
-                <a:solidFill>
-                  <a:schemeClr val="accent2">
-                    <a:lumMod val="40000"/>
-                    <a:lumOff val="60000"/>
-                  </a:schemeClr>
-                </a:solidFill>
-                <a:latin typeface="Arial" panose="020B0604020202020204" pitchFamily="34" charset="0"/>
-              </a:rPr>
-              <a:t>GitHub-Merge</a:t>
-            </a:r>
-          </a:p>
-          <a:p>
-            <a:pPr marL="0" lvl="0" indent="0" algn="ctr" eaLnBrk="0" fontAlgn="base" hangingPunct="0">
-              <a:spcBef>
-                <a:spcPct val="0"/>
-              </a:spcBef>
-              <a:spcAft>
-                <a:spcPct val="0"/>
-              </a:spcAft>
-              <a:buNone/>
-            </a:pPr>
-            <a:endParaRPr lang="en-US" altLang="en-US" sz="1800" dirty="0">
-              <a:solidFill>
-                <a:schemeClr val="accent2">
-                  <a:lumMod val="40000"/>
-                  <a:lumOff val="60000"/>
-                </a:schemeClr>
-              </a:solidFill>
-              <a:latin typeface="Arial" panose="020B0604020202020204" pitchFamily="34" charset="0"/>
-            </a:endParaRPr>
-          </a:p>
-          <a:p>
-            <a:pPr marL="0" lvl="0" indent="0" algn="ctr" eaLnBrk="0" fontAlgn="base" hangingPunct="0">
-              <a:spcBef>
-                <a:spcPct val="0"/>
-              </a:spcBef>
-              <a:spcAft>
-                <a:spcPct val="0"/>
-              </a:spcAft>
-              <a:buNone/>
-            </a:pPr>
-            <a:r>
-              <a:rPr lang="en-US" altLang="en-US" dirty="0">
-                <a:solidFill>
-                  <a:schemeClr val="accent2">
-                    <a:lumMod val="40000"/>
-                    <a:lumOff val="60000"/>
-                  </a:schemeClr>
-                </a:solidFill>
-                <a:latin typeface="Arial" panose="020B0604020202020204" pitchFamily="34" charset="0"/>
-              </a:rPr>
-              <a:t>Working out of branches</a:t>
-            </a:r>
-          </a:p>
-          <a:p>
-            <a:pPr marL="0" lvl="0" indent="0" algn="ctr" eaLnBrk="0" fontAlgn="base" hangingPunct="0">
-              <a:spcBef>
-                <a:spcPct val="0"/>
-              </a:spcBef>
-              <a:spcAft>
-                <a:spcPct val="0"/>
-              </a:spcAft>
-              <a:buNone/>
-            </a:pPr>
-            <a:endParaRPr lang="en-US" altLang="en-US" dirty="0">
-              <a:solidFill>
-                <a:schemeClr val="accent2">
-                  <a:lumMod val="40000"/>
-                  <a:lumOff val="60000"/>
-                </a:schemeClr>
-              </a:solidFill>
-              <a:latin typeface="Arial" panose="020B0604020202020204" pitchFamily="34" charset="0"/>
-            </a:endParaRPr>
-          </a:p>
-          <a:p>
-            <a:pPr marL="0" lvl="0" indent="0" algn="ctr" eaLnBrk="0" fontAlgn="base" hangingPunct="0">
-              <a:spcBef>
-                <a:spcPct val="0"/>
-              </a:spcBef>
-              <a:spcAft>
-                <a:spcPct val="0"/>
-              </a:spcAft>
-              <a:buNone/>
-            </a:pPr>
-            <a:r>
-              <a:rPr lang="en-US" altLang="en-US" sz="1800" dirty="0">
-                <a:solidFill>
-                  <a:schemeClr val="accent2">
-                    <a:lumMod val="40000"/>
-                    <a:lumOff val="60000"/>
-                  </a:schemeClr>
-                </a:solidFill>
-                <a:latin typeface="Arial" panose="020B0604020202020204" pitchFamily="34" charset="0"/>
-              </a:rPr>
-              <a:t>Communication</a:t>
-            </a:r>
-          </a:p>
-          <a:p>
-            <a:pPr marL="0" lvl="0" indent="0" algn="ctr" eaLnBrk="0" fontAlgn="base" hangingPunct="0">
-              <a:spcBef>
-                <a:spcPct val="0"/>
-              </a:spcBef>
-              <a:spcAft>
-                <a:spcPct val="0"/>
-              </a:spcAft>
-              <a:buNone/>
-            </a:pPr>
-            <a:endParaRPr lang="en-US" altLang="en-US" sz="1800" dirty="0">
-              <a:solidFill>
-                <a:schemeClr val="accent2">
-                  <a:lumMod val="40000"/>
-                  <a:lumOff val="60000"/>
-                </a:schemeClr>
-              </a:solidFill>
-              <a:latin typeface="Arial" panose="020B0604020202020204" pitchFamily="34" charset="0"/>
-            </a:endParaRPr>
-          </a:p>
-          <a:p>
-            <a:pPr marL="0" lvl="0" indent="0" algn="ctr" eaLnBrk="0" fontAlgn="base" hangingPunct="0">
-              <a:spcBef>
-                <a:spcPct val="0"/>
-              </a:spcBef>
-              <a:spcAft>
-                <a:spcPct val="0"/>
-              </a:spcAft>
-              <a:buNone/>
-            </a:pPr>
-            <a:r>
-              <a:rPr lang="en-US" altLang="en-US" dirty="0">
-                <a:solidFill>
-                  <a:schemeClr val="accent2">
-                    <a:lumMod val="40000"/>
-                    <a:lumOff val="60000"/>
-                  </a:schemeClr>
-                </a:solidFill>
-                <a:latin typeface="Arial" panose="020B0604020202020204" pitchFamily="34" charset="0"/>
-              </a:rPr>
-              <a:t>Build master</a:t>
-            </a:r>
-            <a:endParaRPr lang="en-US" altLang="en-US" sz="1800" dirty="0">
-              <a:solidFill>
-                <a:schemeClr val="accent2">
-                  <a:lumMod val="40000"/>
-                  <a:lumOff val="60000"/>
-                </a:schemeClr>
-              </a:solidFill>
-              <a:latin typeface="Arial" panose="020B0604020202020204" pitchFamily="34" charset="0"/>
-            </a:endParaRPr>
-          </a:p>
-          <a:p>
-            <a:pPr marL="0" lvl="0" indent="0" algn="ctr" eaLnBrk="0" fontAlgn="base" hangingPunct="0">
-              <a:spcBef>
-                <a:spcPct val="0"/>
-              </a:spcBef>
-              <a:spcAft>
-                <a:spcPct val="0"/>
-              </a:spcAft>
-              <a:buNone/>
-            </a:pPr>
-            <a:endParaRPr lang="en-US" altLang="en-US" sz="1800" dirty="0">
-              <a:solidFill>
-                <a:schemeClr val="accent2">
-                  <a:lumMod val="40000"/>
-                  <a:lumOff val="60000"/>
-                </a:schemeClr>
-              </a:solidFill>
-              <a:latin typeface="Arial" panose="020B0604020202020204" pitchFamily="34" charset="0"/>
-            </a:endParaRPr>
-          </a:p>
         </p:txBody>
       </p:sp>
       <p:pic>
@@ -8876,7 +8712,7 @@
           <p:nvPr/>
         </p:nvPicPr>
         <p:blipFill>
-          <a:blip r:embed="rId3">
+          <a:blip r:embed="rId2">
             <a:extLst>
               <a:ext uri="{28A0092B-C50C-407E-A947-70E740481C1C}">
                 <a14:useLocalDpi xmlns:a14="http://schemas.microsoft.com/office/drawing/2010/main" val="0"/>
@@ -8889,7 +8725,7 @@
         </p:blipFill>
         <p:spPr>
           <a:xfrm>
-            <a:off x="8662136" y="1690688"/>
+            <a:off x="8744727" y="2158774"/>
             <a:ext cx="1997870" cy="1270226"/>
           </a:xfrm>
           <a:prstGeom prst="rect">
@@ -8900,7 +8736,7 @@
     </p:spTree>
     <p:extLst>
       <p:ext uri="{BB962C8B-B14F-4D97-AF65-F5344CB8AC3E}">
-        <p14:creationId xmlns:p14="http://schemas.microsoft.com/office/powerpoint/2010/main" val="478282532"/>
+        <p14:creationId xmlns:p14="http://schemas.microsoft.com/office/powerpoint/2010/main" val="113836817"/>
       </p:ext>
     </p:extLst>
   </p:cSld>
